--- a/ppt 16-9/1169.问客何往.pptx
+++ b/ppt 16-9/1169.问客何往.pptx
@@ -129,7 +129,7 @@
           <p:cNvPr id="2" name="标题 1">
             <a:extLst>
               <a:ext uri="{FF2B5EF4-FFF2-40B4-BE49-F238E27FC236}">
-                <a16:creationId xmlns:a16="http://schemas.microsoft.com/office/drawing/2014/main" id="{7BDBF424-6B95-74F9-4940-09C0C9337EF4}"/>
+                <a16:creationId xmlns:a16="http://schemas.microsoft.com/office/drawing/2014/main" id="{6BFBFDB8-26E1-CC0C-F017-711B6BAA6305}"/>
               </a:ext>
             </a:extLst>
           </p:cNvPr>
@@ -166,7 +166,7 @@
           <p:cNvPr id="3" name="副标题 2">
             <a:extLst>
               <a:ext uri="{FF2B5EF4-FFF2-40B4-BE49-F238E27FC236}">
-                <a16:creationId xmlns:a16="http://schemas.microsoft.com/office/drawing/2014/main" id="{89B89082-D839-1B88-C007-7667917A52CC}"/>
+                <a16:creationId xmlns:a16="http://schemas.microsoft.com/office/drawing/2014/main" id="{A3006EA0-81D9-BB31-2E55-5027AB315D54}"/>
               </a:ext>
             </a:extLst>
           </p:cNvPr>
@@ -236,7 +236,7 @@
           <p:cNvPr id="4" name="日期占位符 3">
             <a:extLst>
               <a:ext uri="{FF2B5EF4-FFF2-40B4-BE49-F238E27FC236}">
-                <a16:creationId xmlns:a16="http://schemas.microsoft.com/office/drawing/2014/main" id="{8F6614D9-A902-660A-0A01-EAF312407716}"/>
+                <a16:creationId xmlns:a16="http://schemas.microsoft.com/office/drawing/2014/main" id="{A04DADB8-E4C0-838D-A08C-6CB4083E5119}"/>
               </a:ext>
             </a:extLst>
           </p:cNvPr>
@@ -252,7 +252,7 @@
           <a:bodyPr/>
           <a:lstStyle/>
           <a:p>
-            <a:fld id="{B75A8296-39E1-4930-92C4-C756F0E760F8}" type="datetimeFigureOut">
+            <a:fld id="{FF7E8E1F-289E-41BE-8D6E-ADAD5E8150CE}" type="datetimeFigureOut">
               <a:rPr lang="zh-CN" altLang="en-US" smtClean="0"/>
               <a:t>2024/3/10</a:t>
             </a:fld>
@@ -265,7 +265,7 @@
           <p:cNvPr id="5" name="页脚占位符 4">
             <a:extLst>
               <a:ext uri="{FF2B5EF4-FFF2-40B4-BE49-F238E27FC236}">
-                <a16:creationId xmlns:a16="http://schemas.microsoft.com/office/drawing/2014/main" id="{C82DFA78-15B3-75F5-CB65-B79E5283C50D}"/>
+                <a16:creationId xmlns:a16="http://schemas.microsoft.com/office/drawing/2014/main" id="{917BC0E6-EC73-11D1-7666-E5EF314D04D7}"/>
               </a:ext>
             </a:extLst>
           </p:cNvPr>
@@ -290,7 +290,7 @@
           <p:cNvPr id="6" name="灯片编号占位符 5">
             <a:extLst>
               <a:ext uri="{FF2B5EF4-FFF2-40B4-BE49-F238E27FC236}">
-                <a16:creationId xmlns:a16="http://schemas.microsoft.com/office/drawing/2014/main" id="{C81003FF-7D7E-5DA3-E827-F884B9FAC4FA}"/>
+                <a16:creationId xmlns:a16="http://schemas.microsoft.com/office/drawing/2014/main" id="{B58FE625-5354-908D-EDB5-8953476E4A51}"/>
               </a:ext>
             </a:extLst>
           </p:cNvPr>
@@ -306,7 +306,7 @@
           <a:bodyPr/>
           <a:lstStyle/>
           <a:p>
-            <a:fld id="{5A7B71D7-7D6E-4BE0-8093-72A1EC62B2AE}" type="slidenum">
+            <a:fld id="{0D97D7D9-70A4-46EB-A542-406FBAA46FBB}" type="slidenum">
               <a:rPr lang="zh-CN" altLang="en-US" smtClean="0"/>
               <a:t>‹#›</a:t>
             </a:fld>
@@ -317,7 +317,7 @@
     </p:spTree>
     <p:extLst>
       <p:ext uri="{BB962C8B-B14F-4D97-AF65-F5344CB8AC3E}">
-        <p14:creationId xmlns:p14="http://schemas.microsoft.com/office/powerpoint/2010/main" val="1073024389"/>
+        <p14:creationId xmlns:p14="http://schemas.microsoft.com/office/powerpoint/2010/main" val="3192320245"/>
       </p:ext>
     </p:extLst>
   </p:cSld>
@@ -349,7 +349,7 @@
           <p:cNvPr id="2" name="标题 1">
             <a:extLst>
               <a:ext uri="{FF2B5EF4-FFF2-40B4-BE49-F238E27FC236}">
-                <a16:creationId xmlns:a16="http://schemas.microsoft.com/office/drawing/2014/main" id="{5F1E32CF-4CDF-3242-9F25-2D3649573B6E}"/>
+                <a16:creationId xmlns:a16="http://schemas.microsoft.com/office/drawing/2014/main" id="{2F82199E-8957-7D00-4473-E4EB73B8CD1E}"/>
               </a:ext>
             </a:extLst>
           </p:cNvPr>
@@ -377,7 +377,7 @@
           <p:cNvPr id="3" name="竖排文字占位符 2">
             <a:extLst>
               <a:ext uri="{FF2B5EF4-FFF2-40B4-BE49-F238E27FC236}">
-                <a16:creationId xmlns:a16="http://schemas.microsoft.com/office/drawing/2014/main" id="{ADC86F81-9155-8081-D28A-7EC74F2010EB}"/>
+                <a16:creationId xmlns:a16="http://schemas.microsoft.com/office/drawing/2014/main" id="{415D6ED1-ADBC-567D-E73A-36C90F9B6CD8}"/>
               </a:ext>
             </a:extLst>
           </p:cNvPr>
@@ -434,7 +434,7 @@
           <p:cNvPr id="4" name="日期占位符 3">
             <a:extLst>
               <a:ext uri="{FF2B5EF4-FFF2-40B4-BE49-F238E27FC236}">
-                <a16:creationId xmlns:a16="http://schemas.microsoft.com/office/drawing/2014/main" id="{6EDB3895-12CE-2A31-E55B-9BA130FDB31C}"/>
+                <a16:creationId xmlns:a16="http://schemas.microsoft.com/office/drawing/2014/main" id="{6BF2A54C-A69A-4088-7935-55D01E8D4D94}"/>
               </a:ext>
             </a:extLst>
           </p:cNvPr>
@@ -450,7 +450,7 @@
           <a:bodyPr/>
           <a:lstStyle/>
           <a:p>
-            <a:fld id="{B75A8296-39E1-4930-92C4-C756F0E760F8}" type="datetimeFigureOut">
+            <a:fld id="{FF7E8E1F-289E-41BE-8D6E-ADAD5E8150CE}" type="datetimeFigureOut">
               <a:rPr lang="zh-CN" altLang="en-US" smtClean="0"/>
               <a:t>2024/3/10</a:t>
             </a:fld>
@@ -463,7 +463,7 @@
           <p:cNvPr id="5" name="页脚占位符 4">
             <a:extLst>
               <a:ext uri="{FF2B5EF4-FFF2-40B4-BE49-F238E27FC236}">
-                <a16:creationId xmlns:a16="http://schemas.microsoft.com/office/drawing/2014/main" id="{C9E4A3F1-91E3-CA6D-D4F1-54E831ADDF2D}"/>
+                <a16:creationId xmlns:a16="http://schemas.microsoft.com/office/drawing/2014/main" id="{7F301CD1-09BE-ED06-E4FF-38FF23B9677A}"/>
               </a:ext>
             </a:extLst>
           </p:cNvPr>
@@ -488,7 +488,7 @@
           <p:cNvPr id="6" name="灯片编号占位符 5">
             <a:extLst>
               <a:ext uri="{FF2B5EF4-FFF2-40B4-BE49-F238E27FC236}">
-                <a16:creationId xmlns:a16="http://schemas.microsoft.com/office/drawing/2014/main" id="{8752ADC1-7775-01D0-8E8B-0657E7FEAA96}"/>
+                <a16:creationId xmlns:a16="http://schemas.microsoft.com/office/drawing/2014/main" id="{E5A67704-C98C-67E0-C7B1-50E39835C2FD}"/>
               </a:ext>
             </a:extLst>
           </p:cNvPr>
@@ -504,7 +504,7 @@
           <a:bodyPr/>
           <a:lstStyle/>
           <a:p>
-            <a:fld id="{5A7B71D7-7D6E-4BE0-8093-72A1EC62B2AE}" type="slidenum">
+            <a:fld id="{0D97D7D9-70A4-46EB-A542-406FBAA46FBB}" type="slidenum">
               <a:rPr lang="zh-CN" altLang="en-US" smtClean="0"/>
               <a:t>‹#›</a:t>
             </a:fld>
@@ -515,7 +515,7 @@
     </p:spTree>
     <p:extLst>
       <p:ext uri="{BB962C8B-B14F-4D97-AF65-F5344CB8AC3E}">
-        <p14:creationId xmlns:p14="http://schemas.microsoft.com/office/powerpoint/2010/main" val="2686898423"/>
+        <p14:creationId xmlns:p14="http://schemas.microsoft.com/office/powerpoint/2010/main" val="4213885431"/>
       </p:ext>
     </p:extLst>
   </p:cSld>
@@ -547,7 +547,7 @@
           <p:cNvPr id="2" name="竖排标题 1">
             <a:extLst>
               <a:ext uri="{FF2B5EF4-FFF2-40B4-BE49-F238E27FC236}">
-                <a16:creationId xmlns:a16="http://schemas.microsoft.com/office/drawing/2014/main" id="{E1723009-1FCD-BF8C-6F1D-EC19484848E7}"/>
+                <a16:creationId xmlns:a16="http://schemas.microsoft.com/office/drawing/2014/main" id="{73405122-9F11-AE15-C6D1-7E24E1D50FD9}"/>
               </a:ext>
             </a:extLst>
           </p:cNvPr>
@@ -580,7 +580,7 @@
           <p:cNvPr id="3" name="竖排文字占位符 2">
             <a:extLst>
               <a:ext uri="{FF2B5EF4-FFF2-40B4-BE49-F238E27FC236}">
-                <a16:creationId xmlns:a16="http://schemas.microsoft.com/office/drawing/2014/main" id="{9FD3F0FD-F75C-4C74-6F9D-5539571140AB}"/>
+                <a16:creationId xmlns:a16="http://schemas.microsoft.com/office/drawing/2014/main" id="{3F55D076-07FC-985B-DF18-97BD1FFB01B5}"/>
               </a:ext>
             </a:extLst>
           </p:cNvPr>
@@ -642,7 +642,7 @@
           <p:cNvPr id="4" name="日期占位符 3">
             <a:extLst>
               <a:ext uri="{FF2B5EF4-FFF2-40B4-BE49-F238E27FC236}">
-                <a16:creationId xmlns:a16="http://schemas.microsoft.com/office/drawing/2014/main" id="{487084AB-7BB4-A715-F1EA-79A78AB2292C}"/>
+                <a16:creationId xmlns:a16="http://schemas.microsoft.com/office/drawing/2014/main" id="{59BF3E2F-459A-862D-C0BE-AE9E7FE84014}"/>
               </a:ext>
             </a:extLst>
           </p:cNvPr>
@@ -658,7 +658,7 @@
           <a:bodyPr/>
           <a:lstStyle/>
           <a:p>
-            <a:fld id="{B75A8296-39E1-4930-92C4-C756F0E760F8}" type="datetimeFigureOut">
+            <a:fld id="{FF7E8E1F-289E-41BE-8D6E-ADAD5E8150CE}" type="datetimeFigureOut">
               <a:rPr lang="zh-CN" altLang="en-US" smtClean="0"/>
               <a:t>2024/3/10</a:t>
             </a:fld>
@@ -671,7 +671,7 @@
           <p:cNvPr id="5" name="页脚占位符 4">
             <a:extLst>
               <a:ext uri="{FF2B5EF4-FFF2-40B4-BE49-F238E27FC236}">
-                <a16:creationId xmlns:a16="http://schemas.microsoft.com/office/drawing/2014/main" id="{CECE2D5D-32B2-34D8-9073-22A9D510EA79}"/>
+                <a16:creationId xmlns:a16="http://schemas.microsoft.com/office/drawing/2014/main" id="{8E5B1FF4-74D6-B4E7-9D2A-D425049A0374}"/>
               </a:ext>
             </a:extLst>
           </p:cNvPr>
@@ -696,7 +696,7 @@
           <p:cNvPr id="6" name="灯片编号占位符 5">
             <a:extLst>
               <a:ext uri="{FF2B5EF4-FFF2-40B4-BE49-F238E27FC236}">
-                <a16:creationId xmlns:a16="http://schemas.microsoft.com/office/drawing/2014/main" id="{E8E37553-0A3E-163A-57C4-D6322753D89D}"/>
+                <a16:creationId xmlns:a16="http://schemas.microsoft.com/office/drawing/2014/main" id="{2408383B-28BB-8C6F-DCCE-237452E7443D}"/>
               </a:ext>
             </a:extLst>
           </p:cNvPr>
@@ -712,7 +712,7 @@
           <a:bodyPr/>
           <a:lstStyle/>
           <a:p>
-            <a:fld id="{5A7B71D7-7D6E-4BE0-8093-72A1EC62B2AE}" type="slidenum">
+            <a:fld id="{0D97D7D9-70A4-46EB-A542-406FBAA46FBB}" type="slidenum">
               <a:rPr lang="zh-CN" altLang="en-US" smtClean="0"/>
               <a:t>‹#›</a:t>
             </a:fld>
@@ -723,7 +723,7 @@
     </p:spTree>
     <p:extLst>
       <p:ext uri="{BB962C8B-B14F-4D97-AF65-F5344CB8AC3E}">
-        <p14:creationId xmlns:p14="http://schemas.microsoft.com/office/powerpoint/2010/main" val="2242882590"/>
+        <p14:creationId xmlns:p14="http://schemas.microsoft.com/office/powerpoint/2010/main" val="1990015703"/>
       </p:ext>
     </p:extLst>
   </p:cSld>
@@ -755,7 +755,7 @@
           <p:cNvPr id="2" name="标题 1">
             <a:extLst>
               <a:ext uri="{FF2B5EF4-FFF2-40B4-BE49-F238E27FC236}">
-                <a16:creationId xmlns:a16="http://schemas.microsoft.com/office/drawing/2014/main" id="{69FFE52A-FBD0-5EC7-8469-389775795758}"/>
+                <a16:creationId xmlns:a16="http://schemas.microsoft.com/office/drawing/2014/main" id="{8C9DE471-AA3C-B489-F3D8-D742E27B80B6}"/>
               </a:ext>
             </a:extLst>
           </p:cNvPr>
@@ -783,7 +783,7 @@
           <p:cNvPr id="3" name="内容占位符 2">
             <a:extLst>
               <a:ext uri="{FF2B5EF4-FFF2-40B4-BE49-F238E27FC236}">
-                <a16:creationId xmlns:a16="http://schemas.microsoft.com/office/drawing/2014/main" id="{C5F8448B-AD96-0012-374E-75810AEB20C2}"/>
+                <a16:creationId xmlns:a16="http://schemas.microsoft.com/office/drawing/2014/main" id="{613D02A1-A477-E345-9D78-B6D30ED3C131}"/>
               </a:ext>
             </a:extLst>
           </p:cNvPr>
@@ -840,7 +840,7 @@
           <p:cNvPr id="4" name="日期占位符 3">
             <a:extLst>
               <a:ext uri="{FF2B5EF4-FFF2-40B4-BE49-F238E27FC236}">
-                <a16:creationId xmlns:a16="http://schemas.microsoft.com/office/drawing/2014/main" id="{99634864-F14B-C9CC-3041-7B6F8141BACE}"/>
+                <a16:creationId xmlns:a16="http://schemas.microsoft.com/office/drawing/2014/main" id="{4BB93F21-458E-8CAB-98BA-9EF0235B5A37}"/>
               </a:ext>
             </a:extLst>
           </p:cNvPr>
@@ -856,7 +856,7 @@
           <a:bodyPr/>
           <a:lstStyle/>
           <a:p>
-            <a:fld id="{B75A8296-39E1-4930-92C4-C756F0E760F8}" type="datetimeFigureOut">
+            <a:fld id="{FF7E8E1F-289E-41BE-8D6E-ADAD5E8150CE}" type="datetimeFigureOut">
               <a:rPr lang="zh-CN" altLang="en-US" smtClean="0"/>
               <a:t>2024/3/10</a:t>
             </a:fld>
@@ -869,7 +869,7 @@
           <p:cNvPr id="5" name="页脚占位符 4">
             <a:extLst>
               <a:ext uri="{FF2B5EF4-FFF2-40B4-BE49-F238E27FC236}">
-                <a16:creationId xmlns:a16="http://schemas.microsoft.com/office/drawing/2014/main" id="{85ADC6B1-ED7A-AEF2-DB62-4AE074EC4579}"/>
+                <a16:creationId xmlns:a16="http://schemas.microsoft.com/office/drawing/2014/main" id="{76A563F2-E5E3-EFD0-3748-BC8EED662438}"/>
               </a:ext>
             </a:extLst>
           </p:cNvPr>
@@ -894,7 +894,7 @@
           <p:cNvPr id="6" name="灯片编号占位符 5">
             <a:extLst>
               <a:ext uri="{FF2B5EF4-FFF2-40B4-BE49-F238E27FC236}">
-                <a16:creationId xmlns:a16="http://schemas.microsoft.com/office/drawing/2014/main" id="{2CD1D8E4-BB98-C721-1B6C-69DD6044A33D}"/>
+                <a16:creationId xmlns:a16="http://schemas.microsoft.com/office/drawing/2014/main" id="{7ED852E0-84D4-C52C-E127-0F06E62847A0}"/>
               </a:ext>
             </a:extLst>
           </p:cNvPr>
@@ -910,7 +910,7 @@
           <a:bodyPr/>
           <a:lstStyle/>
           <a:p>
-            <a:fld id="{5A7B71D7-7D6E-4BE0-8093-72A1EC62B2AE}" type="slidenum">
+            <a:fld id="{0D97D7D9-70A4-46EB-A542-406FBAA46FBB}" type="slidenum">
               <a:rPr lang="zh-CN" altLang="en-US" smtClean="0"/>
               <a:t>‹#›</a:t>
             </a:fld>
@@ -921,7 +921,7 @@
     </p:spTree>
     <p:extLst>
       <p:ext uri="{BB962C8B-B14F-4D97-AF65-F5344CB8AC3E}">
-        <p14:creationId xmlns:p14="http://schemas.microsoft.com/office/powerpoint/2010/main" val="4108536970"/>
+        <p14:creationId xmlns:p14="http://schemas.microsoft.com/office/powerpoint/2010/main" val="3777256430"/>
       </p:ext>
     </p:extLst>
   </p:cSld>
@@ -953,7 +953,7 @@
           <p:cNvPr id="2" name="标题 1">
             <a:extLst>
               <a:ext uri="{FF2B5EF4-FFF2-40B4-BE49-F238E27FC236}">
-                <a16:creationId xmlns:a16="http://schemas.microsoft.com/office/drawing/2014/main" id="{0755F84C-F1DD-A5C9-F0FE-5EC1FA7184D2}"/>
+                <a16:creationId xmlns:a16="http://schemas.microsoft.com/office/drawing/2014/main" id="{B070B4A7-8773-9B04-FF0B-46856999C032}"/>
               </a:ext>
             </a:extLst>
           </p:cNvPr>
@@ -990,7 +990,7 @@
           <p:cNvPr id="3" name="文本占位符 2">
             <a:extLst>
               <a:ext uri="{FF2B5EF4-FFF2-40B4-BE49-F238E27FC236}">
-                <a16:creationId xmlns:a16="http://schemas.microsoft.com/office/drawing/2014/main" id="{A7E3BF37-6C07-F4D9-981F-94EF5BC660FC}"/>
+                <a16:creationId xmlns:a16="http://schemas.microsoft.com/office/drawing/2014/main" id="{CD95FEF2-2F7D-337C-F55B-454E338BFBC8}"/>
               </a:ext>
             </a:extLst>
           </p:cNvPr>
@@ -1115,7 +1115,7 @@
           <p:cNvPr id="4" name="日期占位符 3">
             <a:extLst>
               <a:ext uri="{FF2B5EF4-FFF2-40B4-BE49-F238E27FC236}">
-                <a16:creationId xmlns:a16="http://schemas.microsoft.com/office/drawing/2014/main" id="{21178710-5ECE-20BC-31E6-2A3645C89B3E}"/>
+                <a16:creationId xmlns:a16="http://schemas.microsoft.com/office/drawing/2014/main" id="{2F7152BB-2394-89BC-92E5-FD57AB1A7E25}"/>
               </a:ext>
             </a:extLst>
           </p:cNvPr>
@@ -1131,7 +1131,7 @@
           <a:bodyPr/>
           <a:lstStyle/>
           <a:p>
-            <a:fld id="{B75A8296-39E1-4930-92C4-C756F0E760F8}" type="datetimeFigureOut">
+            <a:fld id="{FF7E8E1F-289E-41BE-8D6E-ADAD5E8150CE}" type="datetimeFigureOut">
               <a:rPr lang="zh-CN" altLang="en-US" smtClean="0"/>
               <a:t>2024/3/10</a:t>
             </a:fld>
@@ -1144,7 +1144,7 @@
           <p:cNvPr id="5" name="页脚占位符 4">
             <a:extLst>
               <a:ext uri="{FF2B5EF4-FFF2-40B4-BE49-F238E27FC236}">
-                <a16:creationId xmlns:a16="http://schemas.microsoft.com/office/drawing/2014/main" id="{37F5B1F9-2978-04BA-1851-F67C273D214C}"/>
+                <a16:creationId xmlns:a16="http://schemas.microsoft.com/office/drawing/2014/main" id="{B4ED5377-72E9-ACE2-28D7-DE2AE4C7F157}"/>
               </a:ext>
             </a:extLst>
           </p:cNvPr>
@@ -1169,7 +1169,7 @@
           <p:cNvPr id="6" name="灯片编号占位符 5">
             <a:extLst>
               <a:ext uri="{FF2B5EF4-FFF2-40B4-BE49-F238E27FC236}">
-                <a16:creationId xmlns:a16="http://schemas.microsoft.com/office/drawing/2014/main" id="{4BB587D8-1595-3CD3-0CA3-C50FFFB87246}"/>
+                <a16:creationId xmlns:a16="http://schemas.microsoft.com/office/drawing/2014/main" id="{82A13907-FC52-B8A2-8533-EDC2CCBAD52E}"/>
               </a:ext>
             </a:extLst>
           </p:cNvPr>
@@ -1185,7 +1185,7 @@
           <a:bodyPr/>
           <a:lstStyle/>
           <a:p>
-            <a:fld id="{5A7B71D7-7D6E-4BE0-8093-72A1EC62B2AE}" type="slidenum">
+            <a:fld id="{0D97D7D9-70A4-46EB-A542-406FBAA46FBB}" type="slidenum">
               <a:rPr lang="zh-CN" altLang="en-US" smtClean="0"/>
               <a:t>‹#›</a:t>
             </a:fld>
@@ -1196,7 +1196,7 @@
     </p:spTree>
     <p:extLst>
       <p:ext uri="{BB962C8B-B14F-4D97-AF65-F5344CB8AC3E}">
-        <p14:creationId xmlns:p14="http://schemas.microsoft.com/office/powerpoint/2010/main" val="3138056312"/>
+        <p14:creationId xmlns:p14="http://schemas.microsoft.com/office/powerpoint/2010/main" val="1048268386"/>
       </p:ext>
     </p:extLst>
   </p:cSld>
@@ -1228,7 +1228,7 @@
           <p:cNvPr id="2" name="标题 1">
             <a:extLst>
               <a:ext uri="{FF2B5EF4-FFF2-40B4-BE49-F238E27FC236}">
-                <a16:creationId xmlns:a16="http://schemas.microsoft.com/office/drawing/2014/main" id="{32E13B69-6C21-8A1E-DF4F-CB240BDDB670}"/>
+                <a16:creationId xmlns:a16="http://schemas.microsoft.com/office/drawing/2014/main" id="{2302E238-7344-2CA0-6EB1-1BAC282F2047}"/>
               </a:ext>
             </a:extLst>
           </p:cNvPr>
@@ -1256,7 +1256,7 @@
           <p:cNvPr id="3" name="内容占位符 2">
             <a:extLst>
               <a:ext uri="{FF2B5EF4-FFF2-40B4-BE49-F238E27FC236}">
-                <a16:creationId xmlns:a16="http://schemas.microsoft.com/office/drawing/2014/main" id="{9C830193-6F00-75CC-8DD5-E13C331F046A}"/>
+                <a16:creationId xmlns:a16="http://schemas.microsoft.com/office/drawing/2014/main" id="{3D9735A7-D992-4549-0852-D506AA7A593E}"/>
               </a:ext>
             </a:extLst>
           </p:cNvPr>
@@ -1318,7 +1318,7 @@
           <p:cNvPr id="4" name="内容占位符 3">
             <a:extLst>
               <a:ext uri="{FF2B5EF4-FFF2-40B4-BE49-F238E27FC236}">
-                <a16:creationId xmlns:a16="http://schemas.microsoft.com/office/drawing/2014/main" id="{B4125538-C3FD-F5D3-F238-08D6D1B7D86C}"/>
+                <a16:creationId xmlns:a16="http://schemas.microsoft.com/office/drawing/2014/main" id="{E8A7B227-D047-92D7-BDA3-2F65A0E779A6}"/>
               </a:ext>
             </a:extLst>
           </p:cNvPr>
@@ -1380,7 +1380,7 @@
           <p:cNvPr id="5" name="日期占位符 4">
             <a:extLst>
               <a:ext uri="{FF2B5EF4-FFF2-40B4-BE49-F238E27FC236}">
-                <a16:creationId xmlns:a16="http://schemas.microsoft.com/office/drawing/2014/main" id="{556DED63-0A5B-9193-09DC-0F83DDF5F57E}"/>
+                <a16:creationId xmlns:a16="http://schemas.microsoft.com/office/drawing/2014/main" id="{5865FFCA-63A5-774E-66A6-0E90954D4718}"/>
               </a:ext>
             </a:extLst>
           </p:cNvPr>
@@ -1396,7 +1396,7 @@
           <a:bodyPr/>
           <a:lstStyle/>
           <a:p>
-            <a:fld id="{B75A8296-39E1-4930-92C4-C756F0E760F8}" type="datetimeFigureOut">
+            <a:fld id="{FF7E8E1F-289E-41BE-8D6E-ADAD5E8150CE}" type="datetimeFigureOut">
               <a:rPr lang="zh-CN" altLang="en-US" smtClean="0"/>
               <a:t>2024/3/10</a:t>
             </a:fld>
@@ -1409,7 +1409,7 @@
           <p:cNvPr id="6" name="页脚占位符 5">
             <a:extLst>
               <a:ext uri="{FF2B5EF4-FFF2-40B4-BE49-F238E27FC236}">
-                <a16:creationId xmlns:a16="http://schemas.microsoft.com/office/drawing/2014/main" id="{79CFA70C-60A6-9145-C984-F3A93BC71B36}"/>
+                <a16:creationId xmlns:a16="http://schemas.microsoft.com/office/drawing/2014/main" id="{0F05E3D1-F7D2-8B05-64A2-7FF8CA1078B4}"/>
               </a:ext>
             </a:extLst>
           </p:cNvPr>
@@ -1434,7 +1434,7 @@
           <p:cNvPr id="7" name="灯片编号占位符 6">
             <a:extLst>
               <a:ext uri="{FF2B5EF4-FFF2-40B4-BE49-F238E27FC236}">
-                <a16:creationId xmlns:a16="http://schemas.microsoft.com/office/drawing/2014/main" id="{77840F35-1EE8-BEDA-A361-6B51BA4742A1}"/>
+                <a16:creationId xmlns:a16="http://schemas.microsoft.com/office/drawing/2014/main" id="{A3A7D756-AEEF-9237-3001-1F7D186BBCC8}"/>
               </a:ext>
             </a:extLst>
           </p:cNvPr>
@@ -1450,7 +1450,7 @@
           <a:bodyPr/>
           <a:lstStyle/>
           <a:p>
-            <a:fld id="{5A7B71D7-7D6E-4BE0-8093-72A1EC62B2AE}" type="slidenum">
+            <a:fld id="{0D97D7D9-70A4-46EB-A542-406FBAA46FBB}" type="slidenum">
               <a:rPr lang="zh-CN" altLang="en-US" smtClean="0"/>
               <a:t>‹#›</a:t>
             </a:fld>
@@ -1461,7 +1461,7 @@
     </p:spTree>
     <p:extLst>
       <p:ext uri="{BB962C8B-B14F-4D97-AF65-F5344CB8AC3E}">
-        <p14:creationId xmlns:p14="http://schemas.microsoft.com/office/powerpoint/2010/main" val="2546083841"/>
+        <p14:creationId xmlns:p14="http://schemas.microsoft.com/office/powerpoint/2010/main" val="1635563193"/>
       </p:ext>
     </p:extLst>
   </p:cSld>
@@ -1493,7 +1493,7 @@
           <p:cNvPr id="2" name="标题 1">
             <a:extLst>
               <a:ext uri="{FF2B5EF4-FFF2-40B4-BE49-F238E27FC236}">
-                <a16:creationId xmlns:a16="http://schemas.microsoft.com/office/drawing/2014/main" id="{CCE4DE2B-784A-E518-95F1-A31B2062D759}"/>
+                <a16:creationId xmlns:a16="http://schemas.microsoft.com/office/drawing/2014/main" id="{D49B0FE9-A0CA-2D37-59BA-A7A6271D4887}"/>
               </a:ext>
             </a:extLst>
           </p:cNvPr>
@@ -1526,7 +1526,7 @@
           <p:cNvPr id="3" name="文本占位符 2">
             <a:extLst>
               <a:ext uri="{FF2B5EF4-FFF2-40B4-BE49-F238E27FC236}">
-                <a16:creationId xmlns:a16="http://schemas.microsoft.com/office/drawing/2014/main" id="{0BA18CC9-E6FC-346A-3A78-F864776F8163}"/>
+                <a16:creationId xmlns:a16="http://schemas.microsoft.com/office/drawing/2014/main" id="{6ADA13C8-85E2-F960-478C-A34F0D27F0EB}"/>
               </a:ext>
             </a:extLst>
           </p:cNvPr>
@@ -1597,7 +1597,7 @@
           <p:cNvPr id="4" name="内容占位符 3">
             <a:extLst>
               <a:ext uri="{FF2B5EF4-FFF2-40B4-BE49-F238E27FC236}">
-                <a16:creationId xmlns:a16="http://schemas.microsoft.com/office/drawing/2014/main" id="{3E363EA7-5137-373D-7FA4-B2C62F987F68}"/>
+                <a16:creationId xmlns:a16="http://schemas.microsoft.com/office/drawing/2014/main" id="{2208CD52-C1EE-8F5E-A060-2CB58FCBA294}"/>
               </a:ext>
             </a:extLst>
           </p:cNvPr>
@@ -1659,7 +1659,7 @@
           <p:cNvPr id="5" name="文本占位符 4">
             <a:extLst>
               <a:ext uri="{FF2B5EF4-FFF2-40B4-BE49-F238E27FC236}">
-                <a16:creationId xmlns:a16="http://schemas.microsoft.com/office/drawing/2014/main" id="{E08320A6-1F3C-2864-0A9C-4FC3A91E2291}"/>
+                <a16:creationId xmlns:a16="http://schemas.microsoft.com/office/drawing/2014/main" id="{36104C5B-8A99-EEEF-E87B-7EF8DB7DC0E4}"/>
               </a:ext>
             </a:extLst>
           </p:cNvPr>
@@ -1730,7 +1730,7 @@
           <p:cNvPr id="6" name="内容占位符 5">
             <a:extLst>
               <a:ext uri="{FF2B5EF4-FFF2-40B4-BE49-F238E27FC236}">
-                <a16:creationId xmlns:a16="http://schemas.microsoft.com/office/drawing/2014/main" id="{96E58393-E3CE-E7AD-F09D-AA06614C0A79}"/>
+                <a16:creationId xmlns:a16="http://schemas.microsoft.com/office/drawing/2014/main" id="{5C35F67D-72A0-93B4-D5EA-AF6447C2A4CF}"/>
               </a:ext>
             </a:extLst>
           </p:cNvPr>
@@ -1792,7 +1792,7 @@
           <p:cNvPr id="7" name="日期占位符 6">
             <a:extLst>
               <a:ext uri="{FF2B5EF4-FFF2-40B4-BE49-F238E27FC236}">
-                <a16:creationId xmlns:a16="http://schemas.microsoft.com/office/drawing/2014/main" id="{91818B86-1DA7-F7F8-17DB-7CC26D9AE378}"/>
+                <a16:creationId xmlns:a16="http://schemas.microsoft.com/office/drawing/2014/main" id="{84AE2936-08B6-797A-BD07-93B9F31588E6}"/>
               </a:ext>
             </a:extLst>
           </p:cNvPr>
@@ -1808,7 +1808,7 @@
           <a:bodyPr/>
           <a:lstStyle/>
           <a:p>
-            <a:fld id="{B75A8296-39E1-4930-92C4-C756F0E760F8}" type="datetimeFigureOut">
+            <a:fld id="{FF7E8E1F-289E-41BE-8D6E-ADAD5E8150CE}" type="datetimeFigureOut">
               <a:rPr lang="zh-CN" altLang="en-US" smtClean="0"/>
               <a:t>2024/3/10</a:t>
             </a:fld>
@@ -1821,7 +1821,7 @@
           <p:cNvPr id="8" name="页脚占位符 7">
             <a:extLst>
               <a:ext uri="{FF2B5EF4-FFF2-40B4-BE49-F238E27FC236}">
-                <a16:creationId xmlns:a16="http://schemas.microsoft.com/office/drawing/2014/main" id="{3A6C0BB9-7891-3B7C-102F-023D47CB5588}"/>
+                <a16:creationId xmlns:a16="http://schemas.microsoft.com/office/drawing/2014/main" id="{9E2D4CC5-0E27-5157-C5CB-CA3F30184E81}"/>
               </a:ext>
             </a:extLst>
           </p:cNvPr>
@@ -1846,7 +1846,7 @@
           <p:cNvPr id="9" name="灯片编号占位符 8">
             <a:extLst>
               <a:ext uri="{FF2B5EF4-FFF2-40B4-BE49-F238E27FC236}">
-                <a16:creationId xmlns:a16="http://schemas.microsoft.com/office/drawing/2014/main" id="{D67CE279-51D5-FEB4-9900-EAF9EC9522B0}"/>
+                <a16:creationId xmlns:a16="http://schemas.microsoft.com/office/drawing/2014/main" id="{9BEC1DFE-AB6F-BDDA-D249-B332A0F44262}"/>
               </a:ext>
             </a:extLst>
           </p:cNvPr>
@@ -1862,7 +1862,7 @@
           <a:bodyPr/>
           <a:lstStyle/>
           <a:p>
-            <a:fld id="{5A7B71D7-7D6E-4BE0-8093-72A1EC62B2AE}" type="slidenum">
+            <a:fld id="{0D97D7D9-70A4-46EB-A542-406FBAA46FBB}" type="slidenum">
               <a:rPr lang="zh-CN" altLang="en-US" smtClean="0"/>
               <a:t>‹#›</a:t>
             </a:fld>
@@ -1873,7 +1873,7 @@
     </p:spTree>
     <p:extLst>
       <p:ext uri="{BB962C8B-B14F-4D97-AF65-F5344CB8AC3E}">
-        <p14:creationId xmlns:p14="http://schemas.microsoft.com/office/powerpoint/2010/main" val="4216461366"/>
+        <p14:creationId xmlns:p14="http://schemas.microsoft.com/office/powerpoint/2010/main" val="2231598920"/>
       </p:ext>
     </p:extLst>
   </p:cSld>
@@ -1905,7 +1905,7 @@
           <p:cNvPr id="2" name="标题 1">
             <a:extLst>
               <a:ext uri="{FF2B5EF4-FFF2-40B4-BE49-F238E27FC236}">
-                <a16:creationId xmlns:a16="http://schemas.microsoft.com/office/drawing/2014/main" id="{6BF2F901-DB0C-205D-FC31-0C1DD998BF9D}"/>
+                <a16:creationId xmlns:a16="http://schemas.microsoft.com/office/drawing/2014/main" id="{F8CB8FDA-0A3E-8344-BE98-14269790B9DA}"/>
               </a:ext>
             </a:extLst>
           </p:cNvPr>
@@ -1933,7 +1933,7 @@
           <p:cNvPr id="3" name="日期占位符 2">
             <a:extLst>
               <a:ext uri="{FF2B5EF4-FFF2-40B4-BE49-F238E27FC236}">
-                <a16:creationId xmlns:a16="http://schemas.microsoft.com/office/drawing/2014/main" id="{BDDCACE7-ECB0-4334-A0DA-EF8FF90D583A}"/>
+                <a16:creationId xmlns:a16="http://schemas.microsoft.com/office/drawing/2014/main" id="{9B91CD97-47B2-C5D5-6450-C4DFC09FDE26}"/>
               </a:ext>
             </a:extLst>
           </p:cNvPr>
@@ -1949,7 +1949,7 @@
           <a:bodyPr/>
           <a:lstStyle/>
           <a:p>
-            <a:fld id="{B75A8296-39E1-4930-92C4-C756F0E760F8}" type="datetimeFigureOut">
+            <a:fld id="{FF7E8E1F-289E-41BE-8D6E-ADAD5E8150CE}" type="datetimeFigureOut">
               <a:rPr lang="zh-CN" altLang="en-US" smtClean="0"/>
               <a:t>2024/3/10</a:t>
             </a:fld>
@@ -1962,7 +1962,7 @@
           <p:cNvPr id="4" name="页脚占位符 3">
             <a:extLst>
               <a:ext uri="{FF2B5EF4-FFF2-40B4-BE49-F238E27FC236}">
-                <a16:creationId xmlns:a16="http://schemas.microsoft.com/office/drawing/2014/main" id="{4DDFFDB2-DD33-C372-A2E2-C3B231319774}"/>
+                <a16:creationId xmlns:a16="http://schemas.microsoft.com/office/drawing/2014/main" id="{3253EB94-27AF-C6D0-2E87-8364E8353027}"/>
               </a:ext>
             </a:extLst>
           </p:cNvPr>
@@ -1987,7 +1987,7 @@
           <p:cNvPr id="5" name="灯片编号占位符 4">
             <a:extLst>
               <a:ext uri="{FF2B5EF4-FFF2-40B4-BE49-F238E27FC236}">
-                <a16:creationId xmlns:a16="http://schemas.microsoft.com/office/drawing/2014/main" id="{182E4621-F75E-3AD5-106A-3FEC29FD44E3}"/>
+                <a16:creationId xmlns:a16="http://schemas.microsoft.com/office/drawing/2014/main" id="{A28D24FC-5EFA-307C-E2BF-28B4AD67BEC4}"/>
               </a:ext>
             </a:extLst>
           </p:cNvPr>
@@ -2003,7 +2003,7 @@
           <a:bodyPr/>
           <a:lstStyle/>
           <a:p>
-            <a:fld id="{5A7B71D7-7D6E-4BE0-8093-72A1EC62B2AE}" type="slidenum">
+            <a:fld id="{0D97D7D9-70A4-46EB-A542-406FBAA46FBB}" type="slidenum">
               <a:rPr lang="zh-CN" altLang="en-US" smtClean="0"/>
               <a:t>‹#›</a:t>
             </a:fld>
@@ -2014,7 +2014,7 @@
     </p:spTree>
     <p:extLst>
       <p:ext uri="{BB962C8B-B14F-4D97-AF65-F5344CB8AC3E}">
-        <p14:creationId xmlns:p14="http://schemas.microsoft.com/office/powerpoint/2010/main" val="2322739370"/>
+        <p14:creationId xmlns:p14="http://schemas.microsoft.com/office/powerpoint/2010/main" val="664947725"/>
       </p:ext>
     </p:extLst>
   </p:cSld>
@@ -2046,7 +2046,7 @@
           <p:cNvPr id="2" name="日期占位符 1">
             <a:extLst>
               <a:ext uri="{FF2B5EF4-FFF2-40B4-BE49-F238E27FC236}">
-                <a16:creationId xmlns:a16="http://schemas.microsoft.com/office/drawing/2014/main" id="{6FD8F519-0A17-ACE7-F8E3-55E704F42F9C}"/>
+                <a16:creationId xmlns:a16="http://schemas.microsoft.com/office/drawing/2014/main" id="{56CF3B76-FACB-23DC-4BD0-ECFC04150B3D}"/>
               </a:ext>
             </a:extLst>
           </p:cNvPr>
@@ -2062,7 +2062,7 @@
           <a:bodyPr/>
           <a:lstStyle/>
           <a:p>
-            <a:fld id="{B75A8296-39E1-4930-92C4-C756F0E760F8}" type="datetimeFigureOut">
+            <a:fld id="{FF7E8E1F-289E-41BE-8D6E-ADAD5E8150CE}" type="datetimeFigureOut">
               <a:rPr lang="zh-CN" altLang="en-US" smtClean="0"/>
               <a:t>2024/3/10</a:t>
             </a:fld>
@@ -2075,7 +2075,7 @@
           <p:cNvPr id="3" name="页脚占位符 2">
             <a:extLst>
               <a:ext uri="{FF2B5EF4-FFF2-40B4-BE49-F238E27FC236}">
-                <a16:creationId xmlns:a16="http://schemas.microsoft.com/office/drawing/2014/main" id="{CB1F7266-E1B3-2A97-31FE-A6A97415A71B}"/>
+                <a16:creationId xmlns:a16="http://schemas.microsoft.com/office/drawing/2014/main" id="{C1227D1A-2C89-AD77-8370-1996A9031043}"/>
               </a:ext>
             </a:extLst>
           </p:cNvPr>
@@ -2100,7 +2100,7 @@
           <p:cNvPr id="4" name="灯片编号占位符 3">
             <a:extLst>
               <a:ext uri="{FF2B5EF4-FFF2-40B4-BE49-F238E27FC236}">
-                <a16:creationId xmlns:a16="http://schemas.microsoft.com/office/drawing/2014/main" id="{D00808E6-3339-DA7E-A297-349C503088D6}"/>
+                <a16:creationId xmlns:a16="http://schemas.microsoft.com/office/drawing/2014/main" id="{90F56E30-7E03-9506-0CD1-9A77A35C3563}"/>
               </a:ext>
             </a:extLst>
           </p:cNvPr>
@@ -2116,7 +2116,7 @@
           <a:bodyPr/>
           <a:lstStyle/>
           <a:p>
-            <a:fld id="{5A7B71D7-7D6E-4BE0-8093-72A1EC62B2AE}" type="slidenum">
+            <a:fld id="{0D97D7D9-70A4-46EB-A542-406FBAA46FBB}" type="slidenum">
               <a:rPr lang="zh-CN" altLang="en-US" smtClean="0"/>
               <a:t>‹#›</a:t>
             </a:fld>
@@ -2127,7 +2127,7 @@
     </p:spTree>
     <p:extLst>
       <p:ext uri="{BB962C8B-B14F-4D97-AF65-F5344CB8AC3E}">
-        <p14:creationId xmlns:p14="http://schemas.microsoft.com/office/powerpoint/2010/main" val="1614677154"/>
+        <p14:creationId xmlns:p14="http://schemas.microsoft.com/office/powerpoint/2010/main" val="1138085879"/>
       </p:ext>
     </p:extLst>
   </p:cSld>
@@ -2159,7 +2159,7 @@
           <p:cNvPr id="2" name="标题 1">
             <a:extLst>
               <a:ext uri="{FF2B5EF4-FFF2-40B4-BE49-F238E27FC236}">
-                <a16:creationId xmlns:a16="http://schemas.microsoft.com/office/drawing/2014/main" id="{415CB3FD-A362-E12B-AD77-84A1BB2D8F7F}"/>
+                <a16:creationId xmlns:a16="http://schemas.microsoft.com/office/drawing/2014/main" id="{8E1ED354-C111-0207-E325-54FFCE3340CF}"/>
               </a:ext>
             </a:extLst>
           </p:cNvPr>
@@ -2196,7 +2196,7 @@
           <p:cNvPr id="3" name="内容占位符 2">
             <a:extLst>
               <a:ext uri="{FF2B5EF4-FFF2-40B4-BE49-F238E27FC236}">
-                <a16:creationId xmlns:a16="http://schemas.microsoft.com/office/drawing/2014/main" id="{054B09A2-E991-F38E-1E50-18A2EA389AB1}"/>
+                <a16:creationId xmlns:a16="http://schemas.microsoft.com/office/drawing/2014/main" id="{C941B9EE-BFB7-C020-91D1-C4507B34CF5E}"/>
               </a:ext>
             </a:extLst>
           </p:cNvPr>
@@ -2286,7 +2286,7 @@
           <p:cNvPr id="4" name="文本占位符 3">
             <a:extLst>
               <a:ext uri="{FF2B5EF4-FFF2-40B4-BE49-F238E27FC236}">
-                <a16:creationId xmlns:a16="http://schemas.microsoft.com/office/drawing/2014/main" id="{74BB63DF-8F5D-7D9C-355F-AD9FF128D13B}"/>
+                <a16:creationId xmlns:a16="http://schemas.microsoft.com/office/drawing/2014/main" id="{182295FB-AADB-BE90-C388-F2C63531AF04}"/>
               </a:ext>
             </a:extLst>
           </p:cNvPr>
@@ -2357,7 +2357,7 @@
           <p:cNvPr id="5" name="日期占位符 4">
             <a:extLst>
               <a:ext uri="{FF2B5EF4-FFF2-40B4-BE49-F238E27FC236}">
-                <a16:creationId xmlns:a16="http://schemas.microsoft.com/office/drawing/2014/main" id="{BFF5910A-14AE-155F-248A-42AA01B268FB}"/>
+                <a16:creationId xmlns:a16="http://schemas.microsoft.com/office/drawing/2014/main" id="{10F7D7F8-9BED-D172-CC1D-012713A3B2AC}"/>
               </a:ext>
             </a:extLst>
           </p:cNvPr>
@@ -2373,7 +2373,7 @@
           <a:bodyPr/>
           <a:lstStyle/>
           <a:p>
-            <a:fld id="{B75A8296-39E1-4930-92C4-C756F0E760F8}" type="datetimeFigureOut">
+            <a:fld id="{FF7E8E1F-289E-41BE-8D6E-ADAD5E8150CE}" type="datetimeFigureOut">
               <a:rPr lang="zh-CN" altLang="en-US" smtClean="0"/>
               <a:t>2024/3/10</a:t>
             </a:fld>
@@ -2386,7 +2386,7 @@
           <p:cNvPr id="6" name="页脚占位符 5">
             <a:extLst>
               <a:ext uri="{FF2B5EF4-FFF2-40B4-BE49-F238E27FC236}">
-                <a16:creationId xmlns:a16="http://schemas.microsoft.com/office/drawing/2014/main" id="{8DFF2129-E76F-509A-1B1B-2482B58043AA}"/>
+                <a16:creationId xmlns:a16="http://schemas.microsoft.com/office/drawing/2014/main" id="{893DA89B-21F8-35B3-775D-DDEAF519C7A1}"/>
               </a:ext>
             </a:extLst>
           </p:cNvPr>
@@ -2411,7 +2411,7 @@
           <p:cNvPr id="7" name="灯片编号占位符 6">
             <a:extLst>
               <a:ext uri="{FF2B5EF4-FFF2-40B4-BE49-F238E27FC236}">
-                <a16:creationId xmlns:a16="http://schemas.microsoft.com/office/drawing/2014/main" id="{53B7782A-6169-88C4-8016-21BEFD5818A6}"/>
+                <a16:creationId xmlns:a16="http://schemas.microsoft.com/office/drawing/2014/main" id="{E8EB9D14-BB68-9ABA-326D-01F1E763C4A4}"/>
               </a:ext>
             </a:extLst>
           </p:cNvPr>
@@ -2427,7 +2427,7 @@
           <a:bodyPr/>
           <a:lstStyle/>
           <a:p>
-            <a:fld id="{5A7B71D7-7D6E-4BE0-8093-72A1EC62B2AE}" type="slidenum">
+            <a:fld id="{0D97D7D9-70A4-46EB-A542-406FBAA46FBB}" type="slidenum">
               <a:rPr lang="zh-CN" altLang="en-US" smtClean="0"/>
               <a:t>‹#›</a:t>
             </a:fld>
@@ -2438,7 +2438,7 @@
     </p:spTree>
     <p:extLst>
       <p:ext uri="{BB962C8B-B14F-4D97-AF65-F5344CB8AC3E}">
-        <p14:creationId xmlns:p14="http://schemas.microsoft.com/office/powerpoint/2010/main" val="3078802505"/>
+        <p14:creationId xmlns:p14="http://schemas.microsoft.com/office/powerpoint/2010/main" val="3253826688"/>
       </p:ext>
     </p:extLst>
   </p:cSld>
@@ -2470,7 +2470,7 @@
           <p:cNvPr id="2" name="标题 1">
             <a:extLst>
               <a:ext uri="{FF2B5EF4-FFF2-40B4-BE49-F238E27FC236}">
-                <a16:creationId xmlns:a16="http://schemas.microsoft.com/office/drawing/2014/main" id="{F732ABC1-024D-5297-FD2C-22603AF398CD}"/>
+                <a16:creationId xmlns:a16="http://schemas.microsoft.com/office/drawing/2014/main" id="{CA5D8007-A26D-B173-4DA3-31BD91E00245}"/>
               </a:ext>
             </a:extLst>
           </p:cNvPr>
@@ -2507,7 +2507,7 @@
           <p:cNvPr id="3" name="图片占位符 2">
             <a:extLst>
               <a:ext uri="{FF2B5EF4-FFF2-40B4-BE49-F238E27FC236}">
-                <a16:creationId xmlns:a16="http://schemas.microsoft.com/office/drawing/2014/main" id="{6B0F4E9B-A01E-62FE-63CC-7FC9FE4071F5}"/>
+                <a16:creationId xmlns:a16="http://schemas.microsoft.com/office/drawing/2014/main" id="{01BD4853-002E-6126-A159-89F650F97C2B}"/>
               </a:ext>
             </a:extLst>
           </p:cNvPr>
@@ -2574,7 +2574,7 @@
           <p:cNvPr id="4" name="文本占位符 3">
             <a:extLst>
               <a:ext uri="{FF2B5EF4-FFF2-40B4-BE49-F238E27FC236}">
-                <a16:creationId xmlns:a16="http://schemas.microsoft.com/office/drawing/2014/main" id="{FB0C70D9-3A2B-31FD-A452-8CC1097A0FC0}"/>
+                <a16:creationId xmlns:a16="http://schemas.microsoft.com/office/drawing/2014/main" id="{2B4ECDFD-8387-BD34-CEC2-63D724B0DB3D}"/>
               </a:ext>
             </a:extLst>
           </p:cNvPr>
@@ -2645,7 +2645,7 @@
           <p:cNvPr id="5" name="日期占位符 4">
             <a:extLst>
               <a:ext uri="{FF2B5EF4-FFF2-40B4-BE49-F238E27FC236}">
-                <a16:creationId xmlns:a16="http://schemas.microsoft.com/office/drawing/2014/main" id="{393BDDF2-6DEE-352A-34BC-50D08337DE0D}"/>
+                <a16:creationId xmlns:a16="http://schemas.microsoft.com/office/drawing/2014/main" id="{43A15C34-36B0-D12B-EDAF-8642FECC1BFB}"/>
               </a:ext>
             </a:extLst>
           </p:cNvPr>
@@ -2661,7 +2661,7 @@
           <a:bodyPr/>
           <a:lstStyle/>
           <a:p>
-            <a:fld id="{B75A8296-39E1-4930-92C4-C756F0E760F8}" type="datetimeFigureOut">
+            <a:fld id="{FF7E8E1F-289E-41BE-8D6E-ADAD5E8150CE}" type="datetimeFigureOut">
               <a:rPr lang="zh-CN" altLang="en-US" smtClean="0"/>
               <a:t>2024/3/10</a:t>
             </a:fld>
@@ -2674,7 +2674,7 @@
           <p:cNvPr id="6" name="页脚占位符 5">
             <a:extLst>
               <a:ext uri="{FF2B5EF4-FFF2-40B4-BE49-F238E27FC236}">
-                <a16:creationId xmlns:a16="http://schemas.microsoft.com/office/drawing/2014/main" id="{8CB3A5A8-00CC-8BAB-B706-741866049992}"/>
+                <a16:creationId xmlns:a16="http://schemas.microsoft.com/office/drawing/2014/main" id="{7AA1BAEF-C15A-27C8-71BC-640C84C2B3A2}"/>
               </a:ext>
             </a:extLst>
           </p:cNvPr>
@@ -2699,7 +2699,7 @@
           <p:cNvPr id="7" name="灯片编号占位符 6">
             <a:extLst>
               <a:ext uri="{FF2B5EF4-FFF2-40B4-BE49-F238E27FC236}">
-                <a16:creationId xmlns:a16="http://schemas.microsoft.com/office/drawing/2014/main" id="{56C7DBA8-4CB4-343C-5AC6-BDC3F8DD553D}"/>
+                <a16:creationId xmlns:a16="http://schemas.microsoft.com/office/drawing/2014/main" id="{7E28387E-FCD3-9AED-406F-FE9B9F1F30BE}"/>
               </a:ext>
             </a:extLst>
           </p:cNvPr>
@@ -2715,7 +2715,7 @@
           <a:bodyPr/>
           <a:lstStyle/>
           <a:p>
-            <a:fld id="{5A7B71D7-7D6E-4BE0-8093-72A1EC62B2AE}" type="slidenum">
+            <a:fld id="{0D97D7D9-70A4-46EB-A542-406FBAA46FBB}" type="slidenum">
               <a:rPr lang="zh-CN" altLang="en-US" smtClean="0"/>
               <a:t>‹#›</a:t>
             </a:fld>
@@ -2726,7 +2726,7 @@
     </p:spTree>
     <p:extLst>
       <p:ext uri="{BB962C8B-B14F-4D97-AF65-F5344CB8AC3E}">
-        <p14:creationId xmlns:p14="http://schemas.microsoft.com/office/powerpoint/2010/main" val="3964657859"/>
+        <p14:creationId xmlns:p14="http://schemas.microsoft.com/office/powerpoint/2010/main" val="1827025798"/>
       </p:ext>
     </p:extLst>
   </p:cSld>
@@ -2763,7 +2763,7 @@
           <p:cNvPr id="2" name="标题占位符 1">
             <a:extLst>
               <a:ext uri="{FF2B5EF4-FFF2-40B4-BE49-F238E27FC236}">
-                <a16:creationId xmlns:a16="http://schemas.microsoft.com/office/drawing/2014/main" id="{577F0A23-0221-57CC-C15E-26B2140D7C9C}"/>
+                <a16:creationId xmlns:a16="http://schemas.microsoft.com/office/drawing/2014/main" id="{8CABE8AD-7145-D404-66D3-CB5DEB68391E}"/>
               </a:ext>
             </a:extLst>
           </p:cNvPr>
@@ -2801,7 +2801,7 @@
           <p:cNvPr id="3" name="文本占位符 2">
             <a:extLst>
               <a:ext uri="{FF2B5EF4-FFF2-40B4-BE49-F238E27FC236}">
-                <a16:creationId xmlns:a16="http://schemas.microsoft.com/office/drawing/2014/main" id="{3C3E504A-3C36-AB85-033B-6A439E0DA8C8}"/>
+                <a16:creationId xmlns:a16="http://schemas.microsoft.com/office/drawing/2014/main" id="{97503324-295D-EF5F-D6F9-022198E0A808}"/>
               </a:ext>
             </a:extLst>
           </p:cNvPr>
@@ -2868,7 +2868,7 @@
           <p:cNvPr id="4" name="日期占位符 3">
             <a:extLst>
               <a:ext uri="{FF2B5EF4-FFF2-40B4-BE49-F238E27FC236}">
-                <a16:creationId xmlns:a16="http://schemas.microsoft.com/office/drawing/2014/main" id="{66964FF2-7A58-7EB5-DA3A-3F945E44E55D}"/>
+                <a16:creationId xmlns:a16="http://schemas.microsoft.com/office/drawing/2014/main" id="{F33007FD-7DDC-5BA0-65C6-94C8A48D7F06}"/>
               </a:ext>
             </a:extLst>
           </p:cNvPr>
@@ -2902,7 +2902,7 @@
             </a:lvl1pPr>
           </a:lstStyle>
           <a:p>
-            <a:fld id="{B75A8296-39E1-4930-92C4-C756F0E760F8}" type="datetimeFigureOut">
+            <a:fld id="{FF7E8E1F-289E-41BE-8D6E-ADAD5E8150CE}" type="datetimeFigureOut">
               <a:rPr lang="zh-CN" altLang="en-US" smtClean="0"/>
               <a:t>2024/3/10</a:t>
             </a:fld>
@@ -2915,7 +2915,7 @@
           <p:cNvPr id="5" name="页脚占位符 4">
             <a:extLst>
               <a:ext uri="{FF2B5EF4-FFF2-40B4-BE49-F238E27FC236}">
-                <a16:creationId xmlns:a16="http://schemas.microsoft.com/office/drawing/2014/main" id="{C2C78AFD-32C8-8A90-F5BB-EED9F9CBA08C}"/>
+                <a16:creationId xmlns:a16="http://schemas.microsoft.com/office/drawing/2014/main" id="{0D402AA1-A44A-C452-DB46-403EED66E24F}"/>
               </a:ext>
             </a:extLst>
           </p:cNvPr>
@@ -2958,7 +2958,7 @@
           <p:cNvPr id="6" name="灯片编号占位符 5">
             <a:extLst>
               <a:ext uri="{FF2B5EF4-FFF2-40B4-BE49-F238E27FC236}">
-                <a16:creationId xmlns:a16="http://schemas.microsoft.com/office/drawing/2014/main" id="{9B704645-179D-5CF0-EC70-CB05D37D7B1D}"/>
+                <a16:creationId xmlns:a16="http://schemas.microsoft.com/office/drawing/2014/main" id="{5D3A0A27-DC99-E7BA-2270-2310E2F4C23C}"/>
               </a:ext>
             </a:extLst>
           </p:cNvPr>
@@ -2992,7 +2992,7 @@
             </a:lvl1pPr>
           </a:lstStyle>
           <a:p>
-            <a:fld id="{5A7B71D7-7D6E-4BE0-8093-72A1EC62B2AE}" type="slidenum">
+            <a:fld id="{0D97D7D9-70A4-46EB-A542-406FBAA46FBB}" type="slidenum">
               <a:rPr lang="zh-CN" altLang="en-US" smtClean="0"/>
               <a:t>‹#›</a:t>
             </a:fld>
@@ -3003,7 +3003,7 @@
     </p:spTree>
     <p:extLst>
       <p:ext uri="{BB962C8B-B14F-4D97-AF65-F5344CB8AC3E}">
-        <p14:creationId xmlns:p14="http://schemas.microsoft.com/office/powerpoint/2010/main" val="920173438"/>
+        <p14:creationId xmlns:p14="http://schemas.microsoft.com/office/powerpoint/2010/main" val="4087038245"/>
       </p:ext>
     </p:extLst>
   </p:cSld>
